--- a/rapport/Anticipez le retard de vol des avions.pptx
+++ b/rapport/Anticipez le retard de vol des avions.pptx
@@ -5,7 +5,7 @@
     <p:sldMasterId id="2147483648" r:id="rId1"/>
   </p:sldMasterIdLst>
   <p:notesMasterIdLst>
-    <p:notesMasterId r:id="rId32"/>
+    <p:notesMasterId r:id="rId30"/>
   </p:notesMasterIdLst>
   <p:sldIdLst>
     <p:sldId id="256" r:id="rId2"/>
@@ -27,17 +27,15 @@
     <p:sldId id="315" r:id="rId18"/>
     <p:sldId id="316" r:id="rId19"/>
     <p:sldId id="321" r:id="rId20"/>
-    <p:sldId id="326" r:id="rId21"/>
-    <p:sldId id="327" r:id="rId22"/>
-    <p:sldId id="328" r:id="rId23"/>
-    <p:sldId id="329" r:id="rId24"/>
-    <p:sldId id="324" r:id="rId25"/>
-    <p:sldId id="325" r:id="rId26"/>
-    <p:sldId id="297" r:id="rId27"/>
-    <p:sldId id="269" r:id="rId28"/>
-    <p:sldId id="302" r:id="rId29"/>
-    <p:sldId id="307" r:id="rId30"/>
-    <p:sldId id="317" r:id="rId31"/>
+    <p:sldId id="328" r:id="rId21"/>
+    <p:sldId id="329" r:id="rId22"/>
+    <p:sldId id="324" r:id="rId23"/>
+    <p:sldId id="325" r:id="rId24"/>
+    <p:sldId id="297" r:id="rId25"/>
+    <p:sldId id="269" r:id="rId26"/>
+    <p:sldId id="302" r:id="rId27"/>
+    <p:sldId id="307" r:id="rId28"/>
+    <p:sldId id="317" r:id="rId29"/>
   </p:sldIdLst>
   <p:sldSz cx="12192000" cy="6858000"/>
   <p:notesSz cx="6858000" cy="9144000"/>
@@ -190,8 +188,6 @@
             <p14:sldId id="315"/>
             <p14:sldId id="316"/>
             <p14:sldId id="321"/>
-            <p14:sldId id="326"/>
-            <p14:sldId id="327"/>
             <p14:sldId id="328"/>
             <p14:sldId id="329"/>
             <p14:sldId id="324"/>
@@ -724,6 +720,30 @@
           <a:bodyPr/>
           <a:lstStyle/>
           <a:p>
+            <a:r>
+              <a:rPr lang="fr-FR" dirty="0"/>
+              <a:t>Exploration : application de différents algorithme de régression sur nos données</a:t>
+            </a:r>
+          </a:p>
+          <a:p>
+            <a:endParaRPr lang="fr-FR" dirty="0"/>
+          </a:p>
+          <a:p>
+            <a:r>
+              <a:rPr lang="fr-FR" dirty="0"/>
+              <a:t>Modélisation : choix du meilleur algorithme en fonction des résultats de l’exploration</a:t>
+            </a:r>
+          </a:p>
+          <a:p>
+            <a:endParaRPr lang="fr-FR" dirty="0"/>
+          </a:p>
+          <a:p>
+            <a:r>
+              <a:rPr lang="fr-FR" dirty="0"/>
+              <a:t>Livrables : notebooks, code du site web, adresse de mise à disposition</a:t>
+            </a:r>
+          </a:p>
+          <a:p>
             <a:endParaRPr lang="fr-FR" dirty="0"/>
           </a:p>
         </p:txBody>
@@ -1792,59 +1812,28 @@
           <a:lstStyle/>
           <a:p>
             <a:r>
+              <a:rPr lang="fr-FR" dirty="0" err="1"/>
+              <a:t>Mean</a:t>
+            </a:r>
+            <a:r>
               <a:rPr lang="fr-FR" dirty="0"/>
-              <a:t>Les différents tests montrent que la régression linéaire de base est très sensible aux </a:t>
+              <a:t> </a:t>
             </a:r>
             <a:r>
               <a:rPr lang="fr-FR" dirty="0" err="1"/>
-              <a:t>outliers</a:t>
+              <a:t>Absolute</a:t>
             </a:r>
             <a:r>
               <a:rPr lang="fr-FR" dirty="0"/>
-              <a:t>.</a:t>
-            </a:r>
-          </a:p>
-          <a:p>
-            <a:endParaRPr lang="fr-FR" dirty="0"/>
-          </a:p>
-          <a:p>
+              <a:t> </a:t>
+            </a:r>
+            <a:r>
+              <a:rPr lang="fr-FR" dirty="0" err="1"/>
+              <a:t>Error</a:t>
+            </a:r>
             <a:r>
               <a:rPr lang="fr-FR" dirty="0"/>
-              <a:t>La régularisation permet de palier à ce problème mais reste quand même bien influencée.</a:t>
-            </a:r>
-          </a:p>
-          <a:p>
-            <a:endParaRPr lang="fr-FR" dirty="0"/>
-          </a:p>
-          <a:p>
-            <a:r>
-              <a:rPr lang="fr-FR" dirty="0"/>
-              <a:t>On observe une bonne amélioration du modèle lorsque l'on traite les </a:t>
-            </a:r>
-            <a:r>
-              <a:rPr lang="fr-FR" dirty="0" err="1"/>
-              <a:t>outliers</a:t>
-            </a:r>
-            <a:r>
-              <a:rPr lang="fr-FR" dirty="0"/>
-              <a:t> différemment, en considérant la perte comme linéaire plutôt que quadratique passé un certain palier (méthode de perte de Huber).</a:t>
-            </a:r>
-          </a:p>
-          <a:p>
-            <a:endParaRPr lang="fr-FR" dirty="0"/>
-          </a:p>
-          <a:p>
-            <a:r>
-              <a:rPr lang="fr-FR" dirty="0"/>
-              <a:t>C'est même encore mieux avec la méthode </a:t>
-            </a:r>
-            <a:r>
-              <a:rPr lang="fr-FR" dirty="0" err="1"/>
-              <a:t>epsilon_insensitive</a:t>
-            </a:r>
-            <a:r>
-              <a:rPr lang="fr-FR" dirty="0"/>
-              <a:t> qui ignore les erreurs inférieur au palier epsilon.</a:t>
+              <a:t> : pénalise moins les larges erreurs</a:t>
             </a:r>
           </a:p>
         </p:txBody>
@@ -1872,7 +1861,7 @@
               <a:pPr>
                 <a:defRPr/>
               </a:pPr>
-              <a:t>16</a:t>
+              <a:t>15</a:t>
             </a:fld>
             <a:endParaRPr lang="fr-FR"/>
           </a:p>
@@ -1881,7 +1870,7 @@
     </p:spTree>
     <p:extLst>
       <p:ext uri="{BB962C8B-B14F-4D97-AF65-F5344CB8AC3E}">
-        <p14:creationId xmlns:p14="http://schemas.microsoft.com/office/powerpoint/2010/main" val="2248318647"/>
+        <p14:creationId xmlns:p14="http://schemas.microsoft.com/office/powerpoint/2010/main" val="540322229"/>
       </p:ext>
     </p:extLst>
   </p:cSld>
@@ -1935,7 +1924,61 @@
           <a:bodyPr/>
           <a:lstStyle/>
           <a:p>
+            <a:r>
+              <a:rPr lang="fr-FR" dirty="0"/>
+              <a:t>Les différents tests montrent que la régression linéaire de base est très sensible aux </a:t>
+            </a:r>
+            <a:r>
+              <a:rPr lang="fr-FR" dirty="0" err="1"/>
+              <a:t>outliers</a:t>
+            </a:r>
+            <a:r>
+              <a:rPr lang="fr-FR" dirty="0"/>
+              <a:t>.</a:t>
+            </a:r>
+          </a:p>
+          <a:p>
             <a:endParaRPr lang="fr-FR" dirty="0"/>
+          </a:p>
+          <a:p>
+            <a:r>
+              <a:rPr lang="fr-FR" dirty="0"/>
+              <a:t>La régularisation permet de palier à ce problème mais reste quand même bien influencée.</a:t>
+            </a:r>
+          </a:p>
+          <a:p>
+            <a:endParaRPr lang="fr-FR" dirty="0"/>
+          </a:p>
+          <a:p>
+            <a:r>
+              <a:rPr lang="fr-FR" dirty="0"/>
+              <a:t>On observe une bonne amélioration du modèle lorsque l'on traite les </a:t>
+            </a:r>
+            <a:r>
+              <a:rPr lang="fr-FR" dirty="0" err="1"/>
+              <a:t>outliers</a:t>
+            </a:r>
+            <a:r>
+              <a:rPr lang="fr-FR" dirty="0"/>
+              <a:t> différemment, en considérant la perte comme linéaire plutôt que quadratique passé un certain palier (méthode de perte de Huber).</a:t>
+            </a:r>
+          </a:p>
+          <a:p>
+            <a:endParaRPr lang="fr-FR" dirty="0"/>
+          </a:p>
+          <a:p>
+            <a:r>
+              <a:rPr lang="fr-FR" dirty="0"/>
+              <a:t>C'est même encore mieux avec la méthode </a:t>
+            </a:r>
+            <a:r>
+              <a:rPr lang="fr-FR" dirty="0" err="1"/>
+              <a:t>epsilon_insensitive</a:t>
+            </a:r>
+            <a:r>
+              <a:rPr lang="fr-FR" dirty="0"/>
+              <a:t> qui ignore les erreurs inférieur au palier epsilon.</a:t>
+            </a:r>
           </a:p>
         </p:txBody>
       </p:sp>
@@ -1962,7 +2005,7 @@
               <a:pPr>
                 <a:defRPr/>
               </a:pPr>
-              <a:t>19</a:t>
+              <a:t>16</a:t>
             </a:fld>
             <a:endParaRPr lang="fr-FR"/>
           </a:p>
@@ -1971,7 +2014,7 @@
     </p:spTree>
     <p:extLst>
       <p:ext uri="{BB962C8B-B14F-4D97-AF65-F5344CB8AC3E}">
-        <p14:creationId xmlns:p14="http://schemas.microsoft.com/office/powerpoint/2010/main" val="927599900"/>
+        <p14:creationId xmlns:p14="http://schemas.microsoft.com/office/powerpoint/2010/main" val="2248318647"/>
       </p:ext>
     </p:extLst>
   </p:cSld>
@@ -2025,24 +2068,7 @@
           <a:bodyPr/>
           <a:lstStyle/>
           <a:p>
-            <a:r>
-              <a:rPr lang="fr-FR" dirty="0"/>
-              <a:t>Peu de changement dans la forme des courbes / </a:t>
-            </a:r>
-            <a:r>
-              <a:rPr lang="fr-FR" dirty="0" err="1"/>
-              <a:t>outliers</a:t>
-            </a:r>
             <a:endParaRPr lang="fr-FR" dirty="0"/>
-          </a:p>
-          <a:p>
-            <a:endParaRPr lang="fr-FR" dirty="0"/>
-          </a:p>
-          <a:p>
-            <a:r>
-              <a:rPr lang="fr-FR" dirty="0"/>
-              <a:t>Alpha faible a de meilleure perf</a:t>
-            </a:r>
           </a:p>
         </p:txBody>
       </p:sp>
@@ -2069,7 +2095,7 @@
               <a:pPr>
                 <a:defRPr/>
               </a:pPr>
-              <a:t>24</a:t>
+              <a:t>19</a:t>
             </a:fld>
             <a:endParaRPr lang="fr-FR"/>
           </a:p>
@@ -2078,7 +2104,7 @@
     </p:spTree>
     <p:extLst>
       <p:ext uri="{BB962C8B-B14F-4D97-AF65-F5344CB8AC3E}">
-        <p14:creationId xmlns:p14="http://schemas.microsoft.com/office/powerpoint/2010/main" val="1042143940"/>
+        <p14:creationId xmlns:p14="http://schemas.microsoft.com/office/powerpoint/2010/main" val="927599900"/>
       </p:ext>
     </p:extLst>
   </p:cSld>
@@ -2134,22 +2160,46 @@
           <a:p>
             <a:r>
               <a:rPr lang="fr-FR" dirty="0"/>
-              <a:t>Pas de changement pour </a:t>
+              <a:t>Peu de changement dans la forme des courbes / </a:t>
+            </a:r>
+            <a:r>
+              <a:rPr lang="fr-FR" dirty="0" err="1"/>
+              <a:t>outliers</a:t>
+            </a:r>
+            <a:endParaRPr lang="fr-FR" dirty="0"/>
+          </a:p>
+          <a:p>
+            <a:endParaRPr lang="fr-FR" dirty="0"/>
+          </a:p>
+          <a:p>
+            <a:r>
+              <a:rPr lang="fr-FR" dirty="0"/>
+              <a:t>Alpha (terme de régularisation) : s’il augmente trop il écrase les coefs de notre régression, il augmente le biais</a:t>
+            </a:r>
+          </a:p>
+          <a:p>
+            <a:r>
+              <a:rPr lang="fr-FR" dirty="0"/>
+              <a:t>Alpha (terme de régularisation) faible a de meilleure perf</a:t>
+            </a:r>
+          </a:p>
+          <a:p>
+            <a:endParaRPr lang="fr-FR" dirty="0"/>
+          </a:p>
+          <a:p>
+            <a:r>
+              <a:rPr lang="fr-FR" dirty="0"/>
+              <a:t>l1_ratio = 0,15 par défaut pour SGD</a:t>
+            </a:r>
+          </a:p>
+          <a:p>
+            <a:r>
+              <a:rPr lang="fr-FR" dirty="0"/>
+              <a:t>                 0.5  pour </a:t>
             </a:r>
             <a:r>
               <a:rPr lang="fr-FR" dirty="0" err="1"/>
               <a:t>ElasticNet</a:t>
-            </a:r>
-            <a:endParaRPr lang="fr-FR" dirty="0"/>
-          </a:p>
-          <a:p>
-            <a:r>
-              <a:rPr lang="fr-FR" dirty="0"/>
-              <a:t>L1_ratio = 1 se distingue pour </a:t>
-            </a:r>
-            <a:r>
-              <a:rPr lang="fr-FR" dirty="0" err="1"/>
-              <a:t>SGDRegressor</a:t>
             </a:r>
             <a:endParaRPr lang="fr-FR" dirty="0"/>
           </a:p>
@@ -2178,7 +2228,7 @@
               <a:pPr>
                 <a:defRPr/>
               </a:pPr>
-              <a:t>25</a:t>
+              <a:t>22</a:t>
             </a:fld>
             <a:endParaRPr lang="fr-FR"/>
           </a:p>
@@ -2187,7 +2237,7 @@
     </p:spTree>
     <p:extLst>
       <p:ext uri="{BB962C8B-B14F-4D97-AF65-F5344CB8AC3E}">
-        <p14:creationId xmlns:p14="http://schemas.microsoft.com/office/powerpoint/2010/main" val="748873638"/>
+        <p14:creationId xmlns:p14="http://schemas.microsoft.com/office/powerpoint/2010/main" val="1042143940"/>
       </p:ext>
     </p:extLst>
   </p:cSld>
@@ -2243,25 +2293,24 @@
           <a:p>
             <a:r>
               <a:rPr lang="fr-FR" dirty="0"/>
-              <a:t>Impact des </a:t>
+              <a:t>Pas de changement pour </a:t>
             </a:r>
             <a:r>
               <a:rPr lang="fr-FR" dirty="0" err="1"/>
-              <a:t>outliers</a:t>
+              <a:t>ElasticNet</a:t>
             </a:r>
             <a:endParaRPr lang="fr-FR" dirty="0"/>
           </a:p>
           <a:p>
             <a:r>
               <a:rPr lang="fr-FR" dirty="0"/>
-              <a:t>Impact de la régularisation</a:t>
-            </a:r>
-          </a:p>
-          <a:p>
-            <a:r>
-              <a:rPr lang="fr-FR" dirty="0"/>
-              <a:t>Comment travailler avec beaucoup de données</a:t>
-            </a:r>
+              <a:t>L1_ratio = 1 se distingue pour </a:t>
+            </a:r>
+            <a:r>
+              <a:rPr lang="fr-FR" dirty="0" err="1"/>
+              <a:t>SGDRegressor</a:t>
+            </a:r>
+            <a:endParaRPr lang="fr-FR" dirty="0"/>
           </a:p>
         </p:txBody>
       </p:sp>
@@ -2288,7 +2337,7 @@
               <a:pPr>
                 <a:defRPr/>
               </a:pPr>
-              <a:t>26</a:t>
+              <a:t>23</a:t>
             </a:fld>
             <a:endParaRPr lang="fr-FR"/>
           </a:p>
@@ -2297,7 +2346,7 @@
     </p:spTree>
     <p:extLst>
       <p:ext uri="{BB962C8B-B14F-4D97-AF65-F5344CB8AC3E}">
-        <p14:creationId xmlns:p14="http://schemas.microsoft.com/office/powerpoint/2010/main" val="507417155"/>
+        <p14:creationId xmlns:p14="http://schemas.microsoft.com/office/powerpoint/2010/main" val="748873638"/>
       </p:ext>
     </p:extLst>
   </p:cSld>
@@ -2351,7 +2400,27 @@
           <a:bodyPr/>
           <a:lstStyle/>
           <a:p>
+            <a:r>
+              <a:rPr lang="fr-FR" dirty="0"/>
+              <a:t>Impact des </a:t>
+            </a:r>
+            <a:r>
+              <a:rPr lang="fr-FR" dirty="0" err="1"/>
+              <a:t>outliers</a:t>
+            </a:r>
             <a:endParaRPr lang="fr-FR" dirty="0"/>
+          </a:p>
+          <a:p>
+            <a:r>
+              <a:rPr lang="fr-FR" dirty="0"/>
+              <a:t>Impact de la régularisation</a:t>
+            </a:r>
+          </a:p>
+          <a:p>
+            <a:r>
+              <a:rPr lang="fr-FR" dirty="0"/>
+              <a:t>Comment travailler avec beaucoup de données</a:t>
+            </a:r>
           </a:p>
         </p:txBody>
       </p:sp>
@@ -2378,7 +2447,7 @@
               <a:pPr>
                 <a:defRPr/>
               </a:pPr>
-              <a:t>27</a:t>
+              <a:t>24</a:t>
             </a:fld>
             <a:endParaRPr lang="fr-FR"/>
           </a:p>
@@ -2387,7 +2456,7 @@
     </p:spTree>
     <p:extLst>
       <p:ext uri="{BB962C8B-B14F-4D97-AF65-F5344CB8AC3E}">
-        <p14:creationId xmlns:p14="http://schemas.microsoft.com/office/powerpoint/2010/main" val="1573004116"/>
+        <p14:creationId xmlns:p14="http://schemas.microsoft.com/office/powerpoint/2010/main" val="507417155"/>
       </p:ext>
     </p:extLst>
   </p:cSld>
@@ -2531,10 +2600,7 @@
           <a:bodyPr/>
           <a:lstStyle/>
           <a:p>
-            <a:r>
-              <a:rPr lang="fr-FR" dirty="0"/>
-              <a:t>S’il reste du temps : technique d’export des données</a:t>
-            </a:r>
+            <a:endParaRPr lang="fr-FR" dirty="0"/>
           </a:p>
         </p:txBody>
       </p:sp>
@@ -2561,7 +2627,7 @@
               <a:pPr>
                 <a:defRPr/>
               </a:pPr>
-              <a:t>28</a:t>
+              <a:t>25</a:t>
             </a:fld>
             <a:endParaRPr lang="fr-FR"/>
           </a:p>
@@ -2570,7 +2636,7 @@
     </p:spTree>
     <p:extLst>
       <p:ext uri="{BB962C8B-B14F-4D97-AF65-F5344CB8AC3E}">
-        <p14:creationId xmlns:p14="http://schemas.microsoft.com/office/powerpoint/2010/main" val="830544261"/>
+        <p14:creationId xmlns:p14="http://schemas.microsoft.com/office/powerpoint/2010/main" val="1573004116"/>
       </p:ext>
     </p:extLst>
   </p:cSld>
@@ -2626,34 +2692,16 @@
           <a:p>
             <a:r>
               <a:rPr lang="fr-FR" dirty="0"/>
-              <a:t>Séries temporelles</a:t>
-            </a:r>
-          </a:p>
-          <a:p>
-            <a:r>
-              <a:rPr lang="fr-FR" dirty="0" err="1"/>
-              <a:t>Adaboost</a:t>
-            </a:r>
+              <a:t>En anglais car le client final a toutes les chances d’être américain</a:t>
+            </a:r>
+          </a:p>
+          <a:p>
             <a:endParaRPr lang="fr-FR" dirty="0"/>
           </a:p>
           <a:p>
             <a:r>
               <a:rPr lang="fr-FR" dirty="0"/>
-              <a:t>vacances scolaires : difficulté en fonction des états</a:t>
-            </a:r>
-          </a:p>
-          <a:p>
-            <a:r>
-              <a:rPr lang="fr-FR" dirty="0"/>
-              <a:t>Site : </a:t>
-            </a:r>
-            <a:r>
-              <a:rPr lang="fr-FR" dirty="0" err="1"/>
-              <a:t>combobox</a:t>
-            </a:r>
-            <a:r>
-              <a:rPr lang="fr-FR" dirty="0"/>
-              <a:t> dynamiques en fonction de l’aéroport de départ</a:t>
+              <a:t>S’il reste du temps : technique d’export des données</a:t>
             </a:r>
           </a:p>
         </p:txBody>
@@ -2681,7 +2729,155 @@
               <a:pPr>
                 <a:defRPr/>
               </a:pPr>
-              <a:t>29</a:t>
+              <a:t>26</a:t>
+            </a:fld>
+            <a:endParaRPr lang="fr-FR"/>
+          </a:p>
+        </p:txBody>
+      </p:sp>
+    </p:spTree>
+    <p:extLst>
+      <p:ext uri="{BB962C8B-B14F-4D97-AF65-F5344CB8AC3E}">
+        <p14:creationId xmlns:p14="http://schemas.microsoft.com/office/powerpoint/2010/main" val="830544261"/>
+      </p:ext>
+    </p:extLst>
+  </p:cSld>
+  <p:clrMapOvr>
+    <a:masterClrMapping/>
+  </p:clrMapOvr>
+</p:notes>
+</file>
+
+<file path=ppt/notesSlides/notesSlide22.xml><?xml version="1.0" encoding="utf-8"?>
+<p:notes xmlns:a="http://schemas.openxmlformats.org/drawingml/2006/main" xmlns:r="http://schemas.openxmlformats.org/officeDocument/2006/relationships" xmlns:p="http://schemas.openxmlformats.org/presentationml/2006/main">
+  <p:cSld>
+    <p:spTree>
+      <p:nvGrpSpPr>
+        <p:cNvPr id="1" name=""/>
+        <p:cNvGrpSpPr/>
+        <p:nvPr/>
+      </p:nvGrpSpPr>
+      <p:grpSpPr>
+        <a:xfrm>
+          <a:off x="0" y="0"/>
+          <a:ext cx="0" cy="0"/>
+          <a:chOff x="0" y="0"/>
+          <a:chExt cx="0" cy="0"/>
+        </a:xfrm>
+      </p:grpSpPr>
+      <p:sp>
+        <p:nvSpPr>
+          <p:cNvPr id="2" name="Espace réservé de l'image des diapositives 1"/>
+          <p:cNvSpPr>
+            <a:spLocks noGrp="1" noRot="1" noChangeAspect="1"/>
+          </p:cNvSpPr>
+          <p:nvPr>
+            <p:ph type="sldImg"/>
+          </p:nvPr>
+        </p:nvSpPr>
+        <p:spPr/>
+      </p:sp>
+      <p:sp>
+        <p:nvSpPr>
+          <p:cNvPr id="3" name="Espace réservé des notes 2"/>
+          <p:cNvSpPr>
+            <a:spLocks noGrp="1"/>
+          </p:cNvSpPr>
+          <p:nvPr>
+            <p:ph type="body" idx="1"/>
+          </p:nvPr>
+        </p:nvSpPr>
+        <p:spPr/>
+        <p:txBody>
+          <a:bodyPr/>
+          <a:lstStyle/>
+          <a:p>
+            <a:r>
+              <a:rPr lang="fr-FR" dirty="0"/>
+              <a:t>Séries temporelles, même si elles n’exploitent que la date pour analyser le retard</a:t>
+            </a:r>
+          </a:p>
+          <a:p>
+            <a:r>
+              <a:rPr lang="fr-FR" dirty="0"/>
+              <a:t>Variance élevée pour les prédictions dans l’avenir</a:t>
+            </a:r>
+          </a:p>
+          <a:p>
+            <a:endParaRPr lang="fr-FR" dirty="0"/>
+          </a:p>
+          <a:p>
+            <a:r>
+              <a:rPr lang="fr-FR" dirty="0" err="1"/>
+              <a:t>Adaboost</a:t>
+            </a:r>
+            <a:r>
+              <a:rPr lang="fr-FR" dirty="0"/>
+              <a:t> : (adaptive </a:t>
+            </a:r>
+            <a:r>
+              <a:rPr lang="fr-FR" dirty="0" err="1"/>
+              <a:t>boosting</a:t>
+            </a:r>
+            <a:r>
+              <a:rPr lang="fr-FR" dirty="0"/>
+              <a:t>) algorithme SGD avec arbre de régression, méthode de </a:t>
+            </a:r>
+            <a:r>
+              <a:rPr lang="fr-FR" dirty="0" err="1"/>
+              <a:t>boosting</a:t>
+            </a:r>
+            <a:endParaRPr lang="fr-FR" dirty="0"/>
+          </a:p>
+          <a:p>
+            <a:endParaRPr lang="fr-FR" dirty="0"/>
+          </a:p>
+          <a:p>
+            <a:r>
+              <a:rPr lang="fr-FR" dirty="0"/>
+              <a:t>vacances scolaires : difficulté en fonction des états</a:t>
+            </a:r>
+          </a:p>
+          <a:p>
+            <a:r>
+              <a:rPr lang="fr-FR" dirty="0"/>
+              <a:t>Site : </a:t>
+            </a:r>
+            <a:r>
+              <a:rPr lang="fr-FR" dirty="0" err="1"/>
+              <a:t>combobox</a:t>
+            </a:r>
+            <a:r>
+              <a:rPr lang="fr-FR" dirty="0"/>
+              <a:t> dynamiques en fonction de l’aéroport de départ</a:t>
+            </a:r>
+          </a:p>
+        </p:txBody>
+      </p:sp>
+      <p:sp>
+        <p:nvSpPr>
+          <p:cNvPr id="4" name="Espace réservé du numéro de diapositive 3"/>
+          <p:cNvSpPr>
+            <a:spLocks noGrp="1"/>
+          </p:cNvSpPr>
+          <p:nvPr>
+            <p:ph type="sldNum" sz="quarter" idx="10"/>
+          </p:nvPr>
+        </p:nvSpPr>
+        <p:spPr/>
+        <p:txBody>
+          <a:bodyPr/>
+          <a:lstStyle/>
+          <a:p>
+            <a:pPr>
+              <a:defRPr/>
+            </a:pPr>
+            <a:fld id="{CC32C800-F1EC-4563-A4CB-7BFB6B498BC5}" type="slidenum">
+              <a:rPr lang="fr-FR" smtClean="0"/>
+              <a:pPr>
+                <a:defRPr/>
+              </a:pPr>
+              <a:t>27</a:t>
             </a:fld>
             <a:endParaRPr lang="fr-FR"/>
           </a:p>
@@ -2756,6 +2952,29 @@
               <a:t>Parler des pbs de mémoire</a:t>
             </a:r>
           </a:p>
+          <a:p>
+            <a:endParaRPr lang="fr-FR" sz="1200" kern="1200" dirty="0">
+              <a:solidFill>
+                <a:schemeClr val="tx1"/>
+              </a:solidFill>
+              <a:latin typeface="+mn-lt"/>
+              <a:ea typeface="+mn-ea"/>
+              <a:cs typeface="+mn-cs"/>
+            </a:endParaRPr>
+          </a:p>
+          <a:p>
+            <a:r>
+              <a:rPr lang="fr-FR" sz="1200" kern="1200" dirty="0">
+                <a:solidFill>
+                  <a:schemeClr val="tx1"/>
+                </a:solidFill>
+                <a:latin typeface="+mn-lt"/>
+                <a:ea typeface="+mn-ea"/>
+                <a:cs typeface="+mn-cs"/>
+              </a:rPr>
+              <a:t>Features inutiles : numéro d’empennage, codes des villes, des états, heures d’entrée et sortie des roues…</a:t>
+            </a:r>
+          </a:p>
         </p:txBody>
       </p:sp>
       <p:sp>
@@ -2887,7 +3106,16 @@
             </a:r>
             <a:r>
               <a:rPr lang="fr-FR" dirty="0"/>
-              <a:t>(), 'vols détournés')</a:t>
+              <a:t>(), 'vols détournés’)</a:t>
+            </a:r>
+          </a:p>
+          <a:p>
+            <a:endParaRPr lang="fr-FR" dirty="0"/>
+          </a:p>
+          <a:p>
+            <a:r>
+              <a:rPr lang="fr-FR" dirty="0"/>
+              <a:t>Vols détournés : pbs techniques, météorologiques, demandes du contrôle aérien…</a:t>
             </a:r>
           </a:p>
         </p:txBody>
@@ -2980,6 +3208,15 @@
           <a:p>
             <a:r>
               <a:rPr lang="fr-FR" dirty="0"/>
+              <a:t>Si on regarde ne serait-ce que les retards de plus de 10h</a:t>
+            </a:r>
+          </a:p>
+          <a:p>
+            <a:endParaRPr lang="fr-FR" dirty="0"/>
+          </a:p>
+          <a:p>
+            <a:r>
+              <a:rPr lang="fr-FR" dirty="0"/>
               <a:t>Ils vont influencer le choix du modèle</a:t>
             </a:r>
           </a:p>
@@ -3080,7 +3317,10 @@
           <a:bodyPr/>
           <a:lstStyle/>
           <a:p>
-            <a:endParaRPr lang="fr-FR" dirty="0"/>
+            <a:r>
+              <a:rPr lang="fr-FR" dirty="0"/>
+              <a:t>Données du site du contrôle aérien américain</a:t>
+            </a:r>
           </a:p>
         </p:txBody>
       </p:sp>
@@ -7571,7 +7811,7 @@
 </file>
 
 <file path=ppt/slides/slide12.xml><?xml version="1.0" encoding="utf-8"?>
-<p:sld xmlns:a="http://schemas.openxmlformats.org/drawingml/2006/main" xmlns:r="http://schemas.openxmlformats.org/officeDocument/2006/relationships" xmlns:p="http://schemas.openxmlformats.org/presentationml/2006/main">
+<p:sld xmlns:a="http://schemas.openxmlformats.org/drawingml/2006/main" xmlns:r="http://schemas.openxmlformats.org/officeDocument/2006/relationships" xmlns:p="http://schemas.openxmlformats.org/presentationml/2006/main" show="0">
   <p:cSld>
     <p:spTree>
       <p:nvGrpSpPr>
@@ -7950,7 +8190,24 @@
             <a:endParaRPr lang="fr-FR" dirty="0"/>
           </a:p>
           <a:p>
-            <a:endParaRPr lang="fr-FR" dirty="0"/>
+            <a:r>
+              <a:rPr lang="fr-FR" dirty="0"/>
+              <a:t>Utilisation d’un </a:t>
+            </a:r>
+            <a:r>
+              <a:rPr lang="fr-FR" dirty="0" err="1"/>
+              <a:t>GridSearch</a:t>
+            </a:r>
+            <a:r>
+              <a:rPr lang="fr-FR" dirty="0"/>
+              <a:t> avec validation croisée</a:t>
+            </a:r>
+          </a:p>
+          <a:p>
+            <a:r>
+              <a:rPr lang="fr-FR" dirty="0"/>
+              <a:t>Evaluation de l’algorithme : MAE</a:t>
+            </a:r>
           </a:p>
         </p:txBody>
       </p:sp>
@@ -8326,7 +8583,7 @@
           <a:p>
             <a:r>
               <a:rPr lang="fr-FR" dirty="0"/>
-              <a:t>Les vols en avance ont été abandonnés</a:t>
+              <a:t>Les vols en avance ont été abandonnés (dernière colonne)</a:t>
             </a:r>
           </a:p>
           <a:p>
@@ -8341,7 +8598,7 @@
           <a:p>
             <a:r>
               <a:rPr lang="fr-FR" dirty="0"/>
-              <a:t>La méthode des quantiles donne 36</a:t>
+              <a:t>La méthode des quantiles donne 36 pour valeur max</a:t>
             </a:r>
           </a:p>
           <a:p>
@@ -8379,7 +8636,7 @@
         </p:blipFill>
         <p:spPr bwMode="auto">
           <a:xfrm>
-            <a:off x="6037729" y="5863835"/>
+            <a:off x="7124252" y="5855859"/>
             <a:ext cx="1190625" cy="152400"/>
           </a:xfrm>
           <a:prstGeom prst="rect">
@@ -8427,7 +8684,7 @@
         </p:blipFill>
         <p:spPr bwMode="auto">
           <a:xfrm>
-            <a:off x="6037729" y="6152690"/>
+            <a:off x="7124252" y="6171602"/>
             <a:ext cx="1885950" cy="171450"/>
           </a:xfrm>
           <a:prstGeom prst="rect">
@@ -8445,12 +8702,60 @@
           </a:extLst>
         </p:spPr>
       </p:pic>
+      <p:sp>
+        <p:nvSpPr>
+          <p:cNvPr id="10" name="Espace réservé du contenu 9">
+            <a:extLst>
+              <a:ext uri="{FF2B5EF4-FFF2-40B4-BE49-F238E27FC236}">
+                <a16:creationId xmlns:a16="http://schemas.microsoft.com/office/drawing/2014/main" id="{E0DC9028-F1BD-4D7B-A604-C8815335606B}"/>
+              </a:ext>
+            </a:extLst>
+          </p:cNvPr>
+          <p:cNvSpPr>
+            <a:spLocks noGrp="1"/>
+          </p:cNvSpPr>
+          <p:nvPr>
+            <p:ph idx="1"/>
+          </p:nvPr>
+        </p:nvSpPr>
+        <p:spPr>
+          <a:xfrm>
+            <a:off x="838200" y="1825625"/>
+            <a:ext cx="10515600" cy="4351338"/>
+          </a:xfrm>
+        </p:spPr>
+        <p:txBody>
+          <a:bodyPr/>
+          <a:lstStyle/>
+          <a:p>
+            <a:endParaRPr lang="fr-FR" dirty="0"/>
+          </a:p>
+          <a:p>
+            <a:endParaRPr lang="fr-FR" dirty="0"/>
+          </a:p>
+          <a:p>
+            <a:endParaRPr lang="fr-FR" dirty="0"/>
+          </a:p>
+          <a:p>
+            <a:endParaRPr lang="fr-FR" dirty="0"/>
+          </a:p>
+          <a:p>
+            <a:endParaRPr lang="fr-FR" dirty="0"/>
+          </a:p>
+          <a:p>
+            <a:endParaRPr lang="fr-FR" dirty="0"/>
+          </a:p>
+          <a:p>
+            <a:endParaRPr lang="fr-FR" dirty="0"/>
+          </a:p>
+        </p:txBody>
+      </p:sp>
       <p:pic>
         <p:nvPicPr>
-          <p:cNvPr id="6" name="Image 5">
-            <a:extLst>
-              <a:ext uri="{FF2B5EF4-FFF2-40B4-BE49-F238E27FC236}">
-                <a16:creationId xmlns:a16="http://schemas.microsoft.com/office/drawing/2014/main" id="{035812B5-87DD-4333-A522-B8FDEAD23B3E}"/>
+          <p:cNvPr id="11" name="Image 10">
+            <a:extLst>
+              <a:ext uri="{FF2B5EF4-FFF2-40B4-BE49-F238E27FC236}">
+                <a16:creationId xmlns:a16="http://schemas.microsoft.com/office/drawing/2014/main" id="{F0DDA522-853E-40BF-99AA-AA27889B9E61}"/>
               </a:ext>
             </a:extLst>
           </p:cNvPr>
@@ -8467,39 +8772,14 @@
         </p:blipFill>
         <p:spPr>
           <a:xfrm>
-            <a:off x="1183329" y="1558267"/>
-            <a:ext cx="9708799" cy="3053081"/>
+            <a:off x="1478351" y="1580498"/>
+            <a:ext cx="9185167" cy="2879123"/>
           </a:xfrm>
           <a:prstGeom prst="rect">
             <a:avLst/>
           </a:prstGeom>
         </p:spPr>
       </p:pic>
-      <p:sp>
-        <p:nvSpPr>
-          <p:cNvPr id="10" name="Espace réservé du contenu 9">
-            <a:extLst>
-              <a:ext uri="{FF2B5EF4-FFF2-40B4-BE49-F238E27FC236}">
-                <a16:creationId xmlns:a16="http://schemas.microsoft.com/office/drawing/2014/main" id="{E0DC9028-F1BD-4D7B-A604-C8815335606B}"/>
-              </a:ext>
-            </a:extLst>
-          </p:cNvPr>
-          <p:cNvSpPr>
-            <a:spLocks noGrp="1"/>
-          </p:cNvSpPr>
-          <p:nvPr>
-            <p:ph idx="1"/>
-          </p:nvPr>
-        </p:nvSpPr>
-        <p:spPr/>
-        <p:txBody>
-          <a:bodyPr/>
-          <a:lstStyle/>
-          <a:p>
-            <a:endParaRPr lang="fr-FR" dirty="0"/>
-          </a:p>
-        </p:txBody>
-      </p:sp>
     </p:spTree>
     <p:extLst>
       <p:ext uri="{BB962C8B-B14F-4D97-AF65-F5344CB8AC3E}">
@@ -8619,7 +8899,7 @@
           <a:p>
             <a:r>
               <a:rPr lang="fr-FR" altLang="fr-FR" dirty="0"/>
-              <a:t>Modélisation</a:t>
+              <a:t>Modélisation finale</a:t>
             </a:r>
           </a:p>
           <a:p>
@@ -8639,202 +8919,6 @@
 </file>
 
 <file path=ppt/slides/slide20.xml><?xml version="1.0" encoding="utf-8"?>
-<p:sld xmlns:a="http://schemas.openxmlformats.org/drawingml/2006/main" xmlns:r="http://schemas.openxmlformats.org/officeDocument/2006/relationships" xmlns:p="http://schemas.openxmlformats.org/presentationml/2006/main">
-  <p:cSld>
-    <p:spTree>
-      <p:nvGrpSpPr>
-        <p:cNvPr id="1" name=""/>
-        <p:cNvGrpSpPr/>
-        <p:nvPr/>
-      </p:nvGrpSpPr>
-      <p:grpSpPr>
-        <a:xfrm>
-          <a:off x="0" y="0"/>
-          <a:ext cx="0" cy="0"/>
-          <a:chOff x="0" y="0"/>
-          <a:chExt cx="0" cy="0"/>
-        </a:xfrm>
-      </p:grpSpPr>
-      <p:sp>
-        <p:nvSpPr>
-          <p:cNvPr id="2" name="Titre 1">
-            <a:extLst>
-              <a:ext uri="{FF2B5EF4-FFF2-40B4-BE49-F238E27FC236}">
-                <a16:creationId xmlns:a16="http://schemas.microsoft.com/office/drawing/2014/main" id="{806631A5-A70D-4847-A9B0-C81D500E1444}"/>
-              </a:ext>
-            </a:extLst>
-          </p:cNvPr>
-          <p:cNvSpPr>
-            <a:spLocks noGrp="1"/>
-          </p:cNvSpPr>
-          <p:nvPr>
-            <p:ph type="title"/>
-          </p:nvPr>
-        </p:nvSpPr>
-        <p:spPr/>
-        <p:txBody>
-          <a:bodyPr/>
-          <a:lstStyle/>
-          <a:p>
-            <a:pPr algn="ctr"/>
-            <a:r>
-              <a:rPr lang="fr-FR" dirty="0"/>
-              <a:t>Valeurs prédites vs valeurs réelles</a:t>
-            </a:r>
-            <a:br>
-              <a:rPr lang="fr-FR" dirty="0"/>
-            </a:br>
-            <a:r>
-              <a:rPr lang="fr-FR" dirty="0"/>
-              <a:t>avec borne supérieure</a:t>
-            </a:r>
-          </a:p>
-        </p:txBody>
-      </p:sp>
-      <p:pic>
-        <p:nvPicPr>
-          <p:cNvPr id="6" name="Espace réservé du contenu 5">
-            <a:extLst>
-              <a:ext uri="{FF2B5EF4-FFF2-40B4-BE49-F238E27FC236}">
-                <a16:creationId xmlns:a16="http://schemas.microsoft.com/office/drawing/2014/main" id="{1730D5F2-3AE9-4DC2-B26C-C5405B794AA2}"/>
-              </a:ext>
-            </a:extLst>
-          </p:cNvPr>
-          <p:cNvPicPr>
-            <a:picLocks noGrp="1" noChangeAspect="1"/>
-          </p:cNvPicPr>
-          <p:nvPr>
-            <p:ph idx="1"/>
-          </p:nvPr>
-        </p:nvPicPr>
-        <p:blipFill>
-          <a:blip r:embed="rId2"/>
-          <a:stretch>
-            <a:fillRect/>
-          </a:stretch>
-        </p:blipFill>
-        <p:spPr>
-          <a:xfrm>
-            <a:off x="2519359" y="1825625"/>
-            <a:ext cx="7153281" cy="4351338"/>
-          </a:xfrm>
-          <a:prstGeom prst="rect">
-            <a:avLst/>
-          </a:prstGeom>
-        </p:spPr>
-      </p:pic>
-    </p:spTree>
-    <p:extLst>
-      <p:ext uri="{BB962C8B-B14F-4D97-AF65-F5344CB8AC3E}">
-        <p14:creationId xmlns:p14="http://schemas.microsoft.com/office/powerpoint/2010/main" val="1539404935"/>
-      </p:ext>
-    </p:extLst>
-  </p:cSld>
-  <p:clrMapOvr>
-    <a:masterClrMapping/>
-  </p:clrMapOvr>
-</p:sld>
-</file>
-
-<file path=ppt/slides/slide21.xml><?xml version="1.0" encoding="utf-8"?>
-<p:sld xmlns:a="http://schemas.openxmlformats.org/drawingml/2006/main" xmlns:r="http://schemas.openxmlformats.org/officeDocument/2006/relationships" xmlns:p="http://schemas.openxmlformats.org/presentationml/2006/main">
-  <p:cSld>
-    <p:spTree>
-      <p:nvGrpSpPr>
-        <p:cNvPr id="1" name=""/>
-        <p:cNvGrpSpPr/>
-        <p:nvPr/>
-      </p:nvGrpSpPr>
-      <p:grpSpPr>
-        <a:xfrm>
-          <a:off x="0" y="0"/>
-          <a:ext cx="0" cy="0"/>
-          <a:chOff x="0" y="0"/>
-          <a:chExt cx="0" cy="0"/>
-        </a:xfrm>
-      </p:grpSpPr>
-      <p:sp>
-        <p:nvSpPr>
-          <p:cNvPr id="2" name="Titre 1">
-            <a:extLst>
-              <a:ext uri="{FF2B5EF4-FFF2-40B4-BE49-F238E27FC236}">
-                <a16:creationId xmlns:a16="http://schemas.microsoft.com/office/drawing/2014/main" id="{C45E4205-CAC3-4B1D-9AAF-353CC27BE714}"/>
-              </a:ext>
-            </a:extLst>
-          </p:cNvPr>
-          <p:cNvSpPr>
-            <a:spLocks noGrp="1"/>
-          </p:cNvSpPr>
-          <p:nvPr>
-            <p:ph type="title"/>
-          </p:nvPr>
-        </p:nvSpPr>
-        <p:spPr/>
-        <p:txBody>
-          <a:bodyPr/>
-          <a:lstStyle/>
-          <a:p>
-            <a:pPr algn="ctr"/>
-            <a:r>
-              <a:rPr lang="fr-FR" dirty="0"/>
-              <a:t>Valeurs résiduelles</a:t>
-            </a:r>
-            <a:br>
-              <a:rPr lang="fr-FR" dirty="0"/>
-            </a:br>
-            <a:r>
-              <a:rPr lang="fr-FR" dirty="0"/>
-              <a:t>avec borne supérieure</a:t>
-            </a:r>
-          </a:p>
-        </p:txBody>
-      </p:sp>
-      <p:pic>
-        <p:nvPicPr>
-          <p:cNvPr id="6" name="Espace réservé du contenu 5">
-            <a:extLst>
-              <a:ext uri="{FF2B5EF4-FFF2-40B4-BE49-F238E27FC236}">
-                <a16:creationId xmlns:a16="http://schemas.microsoft.com/office/drawing/2014/main" id="{4005A560-396F-4A6F-8681-B7F4B795A1D5}"/>
-              </a:ext>
-            </a:extLst>
-          </p:cNvPr>
-          <p:cNvPicPr>
-            <a:picLocks noGrp="1" noChangeAspect="1"/>
-          </p:cNvPicPr>
-          <p:nvPr>
-            <p:ph idx="1"/>
-          </p:nvPr>
-        </p:nvPicPr>
-        <p:blipFill>
-          <a:blip r:embed="rId2"/>
-          <a:stretch>
-            <a:fillRect/>
-          </a:stretch>
-        </p:blipFill>
-        <p:spPr>
-          <a:xfrm>
-            <a:off x="2475918" y="1825625"/>
-            <a:ext cx="7240163" cy="4351338"/>
-          </a:xfrm>
-          <a:prstGeom prst="rect">
-            <a:avLst/>
-          </a:prstGeom>
-        </p:spPr>
-      </p:pic>
-    </p:spTree>
-    <p:extLst>
-      <p:ext uri="{BB962C8B-B14F-4D97-AF65-F5344CB8AC3E}">
-        <p14:creationId xmlns:p14="http://schemas.microsoft.com/office/powerpoint/2010/main" val="383915787"/>
-      </p:ext>
-    </p:extLst>
-  </p:cSld>
-  <p:clrMapOvr>
-    <a:masterClrMapping/>
-  </p:clrMapOvr>
-</p:sld>
-</file>
-
-<file path=ppt/slides/slide22.xml><?xml version="1.0" encoding="utf-8"?>
 <p:sld xmlns:a="http://schemas.openxmlformats.org/drawingml/2006/main" xmlns:r="http://schemas.openxmlformats.org/officeDocument/2006/relationships" xmlns:p="http://schemas.openxmlformats.org/presentationml/2006/main">
   <p:cSld>
     <p:spTree>
@@ -8937,7 +9021,7 @@
 </p:sld>
 </file>
 
-<file path=ppt/slides/slide23.xml><?xml version="1.0" encoding="utf-8"?>
+<file path=ppt/slides/slide21.xml><?xml version="1.0" encoding="utf-8"?>
 <p:sld xmlns:a="http://schemas.openxmlformats.org/drawingml/2006/main" xmlns:r="http://schemas.openxmlformats.org/officeDocument/2006/relationships" xmlns:p="http://schemas.openxmlformats.org/presentationml/2006/main">
   <p:cSld>
     <p:spTree>
@@ -9040,7 +9124,7 @@
 </p:sld>
 </file>
 
-<file path=ppt/slides/slide24.xml><?xml version="1.0" encoding="utf-8"?>
+<file path=ppt/slides/slide22.xml><?xml version="1.0" encoding="utf-8"?>
 <p:sld xmlns:a="http://schemas.openxmlformats.org/drawingml/2006/main" xmlns:r="http://schemas.openxmlformats.org/officeDocument/2006/relationships" xmlns:p="http://schemas.openxmlformats.org/presentationml/2006/main">
   <p:cSld>
     <p:spTree>
@@ -9108,38 +9192,8 @@
         </p:blipFill>
         <p:spPr>
           <a:xfrm>
-            <a:off x="280323" y="1432483"/>
+            <a:off x="2531497" y="1453998"/>
             <a:ext cx="7129006" cy="5137622"/>
-          </a:xfrm>
-          <a:prstGeom prst="rect">
-            <a:avLst/>
-          </a:prstGeom>
-        </p:spPr>
-      </p:pic>
-      <p:pic>
-        <p:nvPicPr>
-          <p:cNvPr id="8" name="Image 7">
-            <a:extLst>
-              <a:ext uri="{FF2B5EF4-FFF2-40B4-BE49-F238E27FC236}">
-                <a16:creationId xmlns:a16="http://schemas.microsoft.com/office/drawing/2014/main" id="{51A53C5C-1FF2-497E-BB0D-16F8CAD1580E}"/>
-              </a:ext>
-            </a:extLst>
-          </p:cNvPr>
-          <p:cNvPicPr>
-            <a:picLocks noChangeAspect="1"/>
-          </p:cNvPicPr>
-          <p:nvPr/>
-        </p:nvPicPr>
-        <p:blipFill>
-          <a:blip r:embed="rId4"/>
-          <a:stretch>
-            <a:fillRect/>
-          </a:stretch>
-        </p:blipFill>
-        <p:spPr>
-          <a:xfrm>
-            <a:off x="7409329" y="2758046"/>
-            <a:ext cx="3566148" cy="2653878"/>
           </a:xfrm>
           <a:prstGeom prst="rect">
             <a:avLst/>
@@ -9159,7 +9213,7 @@
 </p:sld>
 </file>
 
-<file path=ppt/slides/slide25.xml><?xml version="1.0" encoding="utf-8"?>
+<file path=ppt/slides/slide23.xml><?xml version="1.0" encoding="utf-8"?>
 <p:sld xmlns:a="http://schemas.openxmlformats.org/drawingml/2006/main" xmlns:r="http://schemas.openxmlformats.org/officeDocument/2006/relationships" xmlns:p="http://schemas.openxmlformats.org/presentationml/2006/main">
   <p:cSld>
     <p:spTree>
@@ -9205,12 +9259,51 @@
           </a:p>
         </p:txBody>
       </p:sp>
+      <p:sp>
+        <p:nvSpPr>
+          <p:cNvPr id="7" name="Rectangle 6">
+            <a:extLst>
+              <a:ext uri="{FF2B5EF4-FFF2-40B4-BE49-F238E27FC236}">
+                <a16:creationId xmlns:a16="http://schemas.microsoft.com/office/drawing/2014/main" id="{9D32301A-CD37-4B21-B6AC-9CEA67E31142}"/>
+              </a:ext>
+            </a:extLst>
+          </p:cNvPr>
+          <p:cNvSpPr/>
+          <p:nvPr/>
+        </p:nvSpPr>
+        <p:spPr>
+          <a:xfrm>
+            <a:off x="1009394" y="6017558"/>
+            <a:ext cx="9135035" cy="369332"/>
+          </a:xfrm>
+          <a:prstGeom prst="rect">
+            <a:avLst/>
+          </a:prstGeom>
+        </p:spPr>
+        <p:txBody>
+          <a:bodyPr wrap="square">
+            <a:spAutoFit/>
+          </a:bodyPr>
+          <a:lstStyle/>
+          <a:p>
+            <a:r>
+              <a:rPr lang="fr-FR" dirty="0"/>
+              <a:t>Une pénalité de type l2 (pour l1_ratio) donne une meilleure MAE avec </a:t>
+            </a:r>
+            <a:r>
+              <a:rPr lang="fr-FR" dirty="0" err="1"/>
+              <a:t>ElasticNet</a:t>
+            </a:r>
+            <a:endParaRPr lang="fr-FR" dirty="0"/>
+          </a:p>
+        </p:txBody>
+      </p:sp>
       <p:pic>
         <p:nvPicPr>
-          <p:cNvPr id="6" name="Image 5">
-            <a:extLst>
-              <a:ext uri="{FF2B5EF4-FFF2-40B4-BE49-F238E27FC236}">
-                <a16:creationId xmlns:a16="http://schemas.microsoft.com/office/drawing/2014/main" id="{734E68BA-9E52-4699-85B0-C56EABED7CD1}"/>
+          <p:cNvPr id="8" name="Image 7">
+            <a:extLst>
+              <a:ext uri="{FF2B5EF4-FFF2-40B4-BE49-F238E27FC236}">
+                <a16:creationId xmlns:a16="http://schemas.microsoft.com/office/drawing/2014/main" id="{2D68CA20-284D-443A-8281-BD13DB2282F7}"/>
               </a:ext>
             </a:extLst>
           </p:cNvPr>
@@ -9227,53 +9320,14 @@
         </p:blipFill>
         <p:spPr>
           <a:xfrm>
-            <a:off x="1009394" y="1818434"/>
-            <a:ext cx="10173212" cy="4071378"/>
+            <a:off x="3790950" y="1690688"/>
+            <a:ext cx="4610100" cy="3762375"/>
           </a:xfrm>
           <a:prstGeom prst="rect">
             <a:avLst/>
           </a:prstGeom>
         </p:spPr>
       </p:pic>
-      <p:sp>
-        <p:nvSpPr>
-          <p:cNvPr id="7" name="Rectangle 6">
-            <a:extLst>
-              <a:ext uri="{FF2B5EF4-FFF2-40B4-BE49-F238E27FC236}">
-                <a16:creationId xmlns:a16="http://schemas.microsoft.com/office/drawing/2014/main" id="{9D32301A-CD37-4B21-B6AC-9CEA67E31142}"/>
-              </a:ext>
-            </a:extLst>
-          </p:cNvPr>
-          <p:cNvSpPr/>
-          <p:nvPr/>
-        </p:nvSpPr>
-        <p:spPr>
-          <a:xfrm>
-            <a:off x="1009394" y="6017558"/>
-            <a:ext cx="9135035" cy="369332"/>
-          </a:xfrm>
-          <a:prstGeom prst="rect">
-            <a:avLst/>
-          </a:prstGeom>
-        </p:spPr>
-        <p:txBody>
-          <a:bodyPr wrap="square">
-            <a:spAutoFit/>
-          </a:bodyPr>
-          <a:lstStyle/>
-          <a:p>
-            <a:r>
-              <a:rPr lang="fr-FR" dirty="0"/>
-              <a:t>Une pénalité de type l2 (pour l1_ratio) donne une meilleure MAE avec </a:t>
-            </a:r>
-            <a:r>
-              <a:rPr lang="fr-FR" dirty="0" err="1"/>
-              <a:t>ElasticNet</a:t>
-            </a:r>
-            <a:endParaRPr lang="fr-FR" dirty="0"/>
-          </a:p>
-        </p:txBody>
-      </p:sp>
     </p:spTree>
     <p:extLst>
       <p:ext uri="{BB962C8B-B14F-4D97-AF65-F5344CB8AC3E}">
@@ -9287,7 +9341,7 @@
 </p:sld>
 </file>
 
-<file path=ppt/slides/slide26.xml><?xml version="1.0" encoding="utf-8"?>
+<file path=ppt/slides/slide24.xml><?xml version="1.0" encoding="utf-8"?>
 <p:sld xmlns:a="http://schemas.openxmlformats.org/drawingml/2006/main" xmlns:r="http://schemas.openxmlformats.org/officeDocument/2006/relationships" xmlns:p="http://schemas.openxmlformats.org/presentationml/2006/main">
   <p:cSld>
     <p:spTree>
@@ -9443,7 +9497,7 @@
             </a:pPr>
             <a:r>
               <a:rPr lang="fr-FR" dirty="0"/>
-              <a:t>	l1_ratio : 1</a:t>
+              <a:t>	alpha : 0,0001</a:t>
             </a:r>
           </a:p>
           <a:p>
@@ -9455,10 +9509,7 @@
               <a:buNone/>
               <a:defRPr/>
             </a:pPr>
-            <a:r>
-              <a:rPr lang="fr-FR" dirty="0"/>
-              <a:t>	alpha : 0,0001</a:t>
-            </a:r>
+            <a:endParaRPr lang="fr-FR" dirty="0"/>
           </a:p>
           <a:p>
             <a:pPr marL="0" indent="0" fontAlgn="auto">
@@ -9940,7 +9991,7 @@
 </p:sld>
 </file>
 
-<file path=ppt/slides/slide27.xml><?xml version="1.0" encoding="utf-8"?>
+<file path=ppt/slides/slide25.xml><?xml version="1.0" encoding="utf-8"?>
 <p:sld xmlns:a="http://schemas.openxmlformats.org/drawingml/2006/main" xmlns:r="http://schemas.openxmlformats.org/officeDocument/2006/relationships" xmlns:p="http://schemas.openxmlformats.org/presentationml/2006/main">
   <p:cSld>
     <p:spTree>
@@ -10005,18 +10056,9 @@
         <p:spPr/>
         <p:txBody>
           <a:bodyPr rtlCol="0">
-            <a:normAutofit lnSpcReduction="10000"/>
+            <a:normAutofit fontScale="92500" lnSpcReduction="10000"/>
           </a:bodyPr>
           <a:lstStyle/>
-          <a:p>
-            <a:pPr fontAlgn="auto">
-              <a:spcAft>
-                <a:spcPts val="0"/>
-              </a:spcAft>
-              <a:defRPr/>
-            </a:pPr>
-            <a:endParaRPr lang="fr-FR" altLang="fr-FR" dirty="0"/>
-          </a:p>
           <a:p>
             <a:pPr fontAlgn="auto">
               <a:spcAft>
@@ -10150,6 +10192,33 @@
           </a:p>
           <a:p>
             <a:pPr fontAlgn="auto">
+              <a:spcAft>
+                <a:spcPts val="0"/>
+              </a:spcAft>
+              <a:defRPr/>
+            </a:pPr>
+            <a:r>
+              <a:rPr lang="fr-FR" dirty="0"/>
+              <a:t>Google Drive</a:t>
+            </a:r>
+          </a:p>
+          <a:p>
+            <a:pPr lvl="1" fontAlgn="auto">
+              <a:spcAft>
+                <a:spcPts val="0"/>
+              </a:spcAft>
+              <a:defRPr/>
+            </a:pPr>
+            <a:r>
+              <a:rPr lang="fr-FR" dirty="0">
+                <a:hlinkClick r:id="rId5"/>
+              </a:rPr>
+              <a:t>https://drive.google.com/drive/folders/1EPBro9CLIXXR-kIHkvTDhgWygXhJGeDK</a:t>
+            </a:r>
+            <a:endParaRPr lang="fr-FR" dirty="0"/>
+          </a:p>
+          <a:p>
+            <a:pPr lvl="1" fontAlgn="auto">
               <a:spcAft>
                 <a:spcPts val="0"/>
               </a:spcAft>
@@ -10167,7 +10236,7 @@
 </p:sld>
 </file>
 
-<file path=ppt/slides/slide28.xml><?xml version="1.0" encoding="utf-8"?>
+<file path=ppt/slides/slide26.xml><?xml version="1.0" encoding="utf-8"?>
 <p:sld xmlns:a="http://schemas.openxmlformats.org/drawingml/2006/main" xmlns:r="http://schemas.openxmlformats.org/officeDocument/2006/relationships" xmlns:p="http://schemas.openxmlformats.org/presentationml/2006/main">
   <p:cSld>
     <p:spTree>
@@ -10256,7 +10325,7 @@
 </p:sld>
 </file>
 
-<file path=ppt/slides/slide29.xml><?xml version="1.0" encoding="utf-8"?>
+<file path=ppt/slides/slide27.xml><?xml version="1.0" encoding="utf-8"?>
 <p:sld xmlns:a="http://schemas.openxmlformats.org/drawingml/2006/main" xmlns:r="http://schemas.openxmlformats.org/officeDocument/2006/relationships" xmlns:p="http://schemas.openxmlformats.org/presentationml/2006/main">
   <p:cSld>
     <p:spTree>
@@ -10385,138 +10454,7 @@
 </p:sld>
 </file>
 
-<file path=ppt/slides/slide3.xml><?xml version="1.0" encoding="utf-8"?>
-<p:sld xmlns:a="http://schemas.openxmlformats.org/drawingml/2006/main" xmlns:r="http://schemas.openxmlformats.org/officeDocument/2006/relationships" xmlns:p="http://schemas.openxmlformats.org/presentationml/2006/main">
-  <p:cSld>
-    <p:spTree>
-      <p:nvGrpSpPr>
-        <p:cNvPr id="1" name=""/>
-        <p:cNvGrpSpPr/>
-        <p:nvPr/>
-      </p:nvGrpSpPr>
-      <p:grpSpPr>
-        <a:xfrm>
-          <a:off x="0" y="0"/>
-          <a:ext cx="0" cy="0"/>
-          <a:chOff x="0" y="0"/>
-          <a:chExt cx="0" cy="0"/>
-        </a:xfrm>
-      </p:grpSpPr>
-      <p:sp>
-        <p:nvSpPr>
-          <p:cNvPr id="4098" name="Titre 1">
-            <a:extLst>
-              <a:ext uri="{FF2B5EF4-FFF2-40B4-BE49-F238E27FC236}">
-                <a16:creationId xmlns:a16="http://schemas.microsoft.com/office/drawing/2014/main" id="{2A5433F7-2CFD-4DBE-BA1D-6A01D43D8AF0}"/>
-              </a:ext>
-            </a:extLst>
-          </p:cNvPr>
-          <p:cNvSpPr>
-            <a:spLocks noGrp="1" noChangeArrowheads="1"/>
-          </p:cNvSpPr>
-          <p:nvPr>
-            <p:ph type="title"/>
-          </p:nvPr>
-        </p:nvSpPr>
-        <p:spPr/>
-        <p:txBody>
-          <a:bodyPr/>
-          <a:lstStyle/>
-          <a:p>
-            <a:pPr algn="ctr"/>
-            <a:r>
-              <a:rPr lang="fr-FR" altLang="fr-FR" dirty="0"/>
-              <a:t>Introduction</a:t>
-            </a:r>
-          </a:p>
-        </p:txBody>
-      </p:sp>
-      <p:sp>
-        <p:nvSpPr>
-          <p:cNvPr id="4099" name="Espace réservé du contenu 2">
-            <a:extLst>
-              <a:ext uri="{FF2B5EF4-FFF2-40B4-BE49-F238E27FC236}">
-                <a16:creationId xmlns:a16="http://schemas.microsoft.com/office/drawing/2014/main" id="{7DBC3CC6-D943-4B71-A315-ED6A7D191910}"/>
-              </a:ext>
-            </a:extLst>
-          </p:cNvPr>
-          <p:cNvSpPr>
-            <a:spLocks noGrp="1" noChangeArrowheads="1"/>
-          </p:cNvSpPr>
-          <p:nvPr>
-            <p:ph idx="1"/>
-          </p:nvPr>
-        </p:nvSpPr>
-        <p:spPr/>
-        <p:txBody>
-          <a:bodyPr/>
-          <a:lstStyle/>
-          <a:p>
-            <a:r>
-              <a:rPr lang="fr-FR" altLang="fr-FR" dirty="0"/>
-              <a:t>But</a:t>
-            </a:r>
-          </a:p>
-          <a:p>
-            <a:pPr lvl="1"/>
-            <a:r>
-              <a:rPr lang="fr-FR" altLang="fr-FR" dirty="0"/>
-              <a:t>Prédire les retards</a:t>
-            </a:r>
-          </a:p>
-          <a:p>
-            <a:pPr lvl="1"/>
-            <a:r>
-              <a:rPr lang="fr-FR" altLang="fr-FR" dirty="0"/>
-              <a:t>Créer une API pour un voyageur</a:t>
-            </a:r>
-          </a:p>
-          <a:p>
-            <a:pPr lvl="1"/>
-            <a:r>
-              <a:rPr lang="fr-FR" altLang="fr-FR" dirty="0"/>
-              <a:t>Transférer le modèle</a:t>
-            </a:r>
-          </a:p>
-          <a:p>
-            <a:endParaRPr lang="fr-FR" altLang="fr-FR" dirty="0"/>
-          </a:p>
-          <a:p>
-            <a:r>
-              <a:rPr lang="fr-FR" altLang="fr-FR" dirty="0"/>
-              <a:t>Difficulté</a:t>
-            </a:r>
-          </a:p>
-          <a:p>
-            <a:pPr lvl="1"/>
-            <a:r>
-              <a:rPr lang="fr-FR" altLang="fr-FR" dirty="0"/>
-              <a:t>Nombre de données</a:t>
-            </a:r>
-          </a:p>
-          <a:p>
-            <a:pPr lvl="1"/>
-            <a:r>
-              <a:rPr lang="fr-FR" altLang="fr-FR" dirty="0"/>
-              <a:t>Se passer des features principales (météo, sécurité…)</a:t>
-            </a:r>
-          </a:p>
-        </p:txBody>
-      </p:sp>
-    </p:spTree>
-    <p:extLst>
-      <p:ext uri="{BB962C8B-B14F-4D97-AF65-F5344CB8AC3E}">
-        <p14:creationId xmlns:p14="http://schemas.microsoft.com/office/powerpoint/2010/main" val="1264930169"/>
-      </p:ext>
-    </p:extLst>
-  </p:cSld>
-  <p:clrMapOvr>
-    <a:masterClrMapping/>
-  </p:clrMapOvr>
-</p:sld>
-</file>
-
-<file path=ppt/slides/slide30.xml><?xml version="1.0" encoding="utf-8"?>
+<file path=ppt/slides/slide28.xml><?xml version="1.0" encoding="utf-8"?>
 <p:sld xmlns:a="http://schemas.openxmlformats.org/drawingml/2006/main" xmlns:r="http://schemas.openxmlformats.org/officeDocument/2006/relationships" xmlns:p="http://schemas.openxmlformats.org/presentationml/2006/main">
   <p:cSld>
     <p:spTree>
@@ -10638,6 +10576,130 @@
     <p:extLst>
       <p:ext uri="{BB962C8B-B14F-4D97-AF65-F5344CB8AC3E}">
         <p14:creationId xmlns:p14="http://schemas.microsoft.com/office/powerpoint/2010/main" val="4289694283"/>
+      </p:ext>
+    </p:extLst>
+  </p:cSld>
+  <p:clrMapOvr>
+    <a:masterClrMapping/>
+  </p:clrMapOvr>
+</p:sld>
+</file>
+
+<file path=ppt/slides/slide3.xml><?xml version="1.0" encoding="utf-8"?>
+<p:sld xmlns:a="http://schemas.openxmlformats.org/drawingml/2006/main" xmlns:r="http://schemas.openxmlformats.org/officeDocument/2006/relationships" xmlns:p="http://schemas.openxmlformats.org/presentationml/2006/main">
+  <p:cSld>
+    <p:spTree>
+      <p:nvGrpSpPr>
+        <p:cNvPr id="1" name=""/>
+        <p:cNvGrpSpPr/>
+        <p:nvPr/>
+      </p:nvGrpSpPr>
+      <p:grpSpPr>
+        <a:xfrm>
+          <a:off x="0" y="0"/>
+          <a:ext cx="0" cy="0"/>
+          <a:chOff x="0" y="0"/>
+          <a:chExt cx="0" cy="0"/>
+        </a:xfrm>
+      </p:grpSpPr>
+      <p:sp>
+        <p:nvSpPr>
+          <p:cNvPr id="4098" name="Titre 1">
+            <a:extLst>
+              <a:ext uri="{FF2B5EF4-FFF2-40B4-BE49-F238E27FC236}">
+                <a16:creationId xmlns:a16="http://schemas.microsoft.com/office/drawing/2014/main" id="{2A5433F7-2CFD-4DBE-BA1D-6A01D43D8AF0}"/>
+              </a:ext>
+            </a:extLst>
+          </p:cNvPr>
+          <p:cNvSpPr>
+            <a:spLocks noGrp="1" noChangeArrowheads="1"/>
+          </p:cNvSpPr>
+          <p:nvPr>
+            <p:ph type="title"/>
+          </p:nvPr>
+        </p:nvSpPr>
+        <p:spPr/>
+        <p:txBody>
+          <a:bodyPr/>
+          <a:lstStyle/>
+          <a:p>
+            <a:pPr algn="ctr"/>
+            <a:r>
+              <a:rPr lang="fr-FR" altLang="fr-FR" dirty="0"/>
+              <a:t>Introduction</a:t>
+            </a:r>
+          </a:p>
+        </p:txBody>
+      </p:sp>
+      <p:sp>
+        <p:nvSpPr>
+          <p:cNvPr id="4099" name="Espace réservé du contenu 2">
+            <a:extLst>
+              <a:ext uri="{FF2B5EF4-FFF2-40B4-BE49-F238E27FC236}">
+                <a16:creationId xmlns:a16="http://schemas.microsoft.com/office/drawing/2014/main" id="{7DBC3CC6-D943-4B71-A315-ED6A7D191910}"/>
+              </a:ext>
+            </a:extLst>
+          </p:cNvPr>
+          <p:cNvSpPr>
+            <a:spLocks noGrp="1" noChangeArrowheads="1"/>
+          </p:cNvSpPr>
+          <p:nvPr>
+            <p:ph idx="1"/>
+          </p:nvPr>
+        </p:nvSpPr>
+        <p:spPr/>
+        <p:txBody>
+          <a:bodyPr/>
+          <a:lstStyle/>
+          <a:p>
+            <a:r>
+              <a:rPr lang="fr-FR" altLang="fr-FR" dirty="0"/>
+              <a:t>But</a:t>
+            </a:r>
+          </a:p>
+          <a:p>
+            <a:pPr lvl="1"/>
+            <a:r>
+              <a:rPr lang="fr-FR" altLang="fr-FR" dirty="0"/>
+              <a:t>Prédire les retards</a:t>
+            </a:r>
+          </a:p>
+          <a:p>
+            <a:pPr lvl="1"/>
+            <a:r>
+              <a:rPr lang="fr-FR" altLang="fr-FR" dirty="0"/>
+              <a:t>Créer une API pour un voyageur</a:t>
+            </a:r>
+          </a:p>
+          <a:p>
+            <a:endParaRPr lang="fr-FR" altLang="fr-FR" dirty="0"/>
+          </a:p>
+          <a:p>
+            <a:r>
+              <a:rPr lang="fr-FR" altLang="fr-FR" dirty="0"/>
+              <a:t>Difficulté</a:t>
+            </a:r>
+          </a:p>
+          <a:p>
+            <a:pPr lvl="1"/>
+            <a:r>
+              <a:rPr lang="fr-FR" altLang="fr-FR" dirty="0"/>
+              <a:t>Nombre de données</a:t>
+            </a:r>
+          </a:p>
+          <a:p>
+            <a:pPr lvl="1"/>
+            <a:r>
+              <a:rPr lang="fr-FR" altLang="fr-FR" dirty="0"/>
+              <a:t>Se passer des features principales (météo, sécurité…)</a:t>
+            </a:r>
+          </a:p>
+        </p:txBody>
+      </p:sp>
+    </p:spTree>
+    <p:extLst>
+      <p:ext uri="{BB962C8B-B14F-4D97-AF65-F5344CB8AC3E}">
+        <p14:creationId xmlns:p14="http://schemas.microsoft.com/office/powerpoint/2010/main" val="1264930169"/>
       </p:ext>
     </p:extLst>
   </p:cSld>
@@ -11522,24 +11584,46 @@
           <a:bodyPr/>
           <a:lstStyle/>
           <a:p>
+            <a:endParaRPr lang="fr-FR" dirty="0"/>
+          </a:p>
+          <a:p>
+            <a:r>
+              <a:rPr lang="fr-FR" dirty="0"/>
+              <a:t>Plus de 1h de retard</a:t>
+            </a:r>
+          </a:p>
+          <a:p>
+            <a:pPr lvl="1"/>
+            <a:r>
+              <a:rPr lang="fr-FR" dirty="0"/>
+              <a:t>Concerne 300 000 vols</a:t>
+            </a:r>
+          </a:p>
+          <a:p>
+            <a:pPr lvl="1"/>
+            <a:endParaRPr lang="fr-FR" dirty="0"/>
+          </a:p>
+          <a:p>
+            <a:r>
+              <a:rPr lang="fr-FR" dirty="0"/>
+              <a:t>Maximum à 35h !</a:t>
+            </a:r>
+          </a:p>
+          <a:p>
+            <a:pPr lvl="1"/>
+            <a:endParaRPr lang="fr-FR" dirty="0"/>
+          </a:p>
+          <a:p>
             <a:r>
               <a:rPr lang="fr-FR" dirty="0"/>
               <a:t>Plus de 10h de retard</a:t>
             </a:r>
           </a:p>
           <a:p>
-            <a:endParaRPr lang="fr-FR" dirty="0"/>
-          </a:p>
-          <a:p>
+            <a:pPr lvl="1"/>
             <a:r>
               <a:rPr lang="fr-FR" dirty="0"/>
-              <a:t>Concerne 2500 vols</a:t>
-            </a:r>
-          </a:p>
-          <a:p>
-            <a:r>
-              <a:rPr lang="fr-FR" dirty="0"/>
-              <a:t>Maximum à 35h !</a:t>
+              <a:t>Concerne 2 500 vols</a:t>
             </a:r>
           </a:p>
         </p:txBody>
@@ -11566,8 +11650,38 @@
         </p:blipFill>
         <p:spPr>
           <a:xfrm>
-            <a:off x="5326964" y="2438283"/>
-            <a:ext cx="5457458" cy="2668976"/>
+            <a:off x="5552875" y="4047185"/>
+            <a:ext cx="4354918" cy="2129778"/>
+          </a:xfrm>
+          <a:prstGeom prst="rect">
+            <a:avLst/>
+          </a:prstGeom>
+        </p:spPr>
+      </p:pic>
+      <p:pic>
+        <p:nvPicPr>
+          <p:cNvPr id="4" name="Image 3">
+            <a:extLst>
+              <a:ext uri="{FF2B5EF4-FFF2-40B4-BE49-F238E27FC236}">
+                <a16:creationId xmlns:a16="http://schemas.microsoft.com/office/drawing/2014/main" id="{E71C0AEF-952E-45F4-BBBA-ED4A5C10C152}"/>
+              </a:ext>
+            </a:extLst>
+          </p:cNvPr>
+          <p:cNvPicPr>
+            <a:picLocks noChangeAspect="1"/>
+          </p:cNvPicPr>
+          <p:nvPr/>
+        </p:nvPicPr>
+        <p:blipFill>
+          <a:blip r:embed="rId4"/>
+          <a:stretch>
+            <a:fillRect/>
+          </a:stretch>
+        </p:blipFill>
+        <p:spPr>
+          <a:xfrm>
+            <a:off x="5506259" y="1548046"/>
+            <a:ext cx="4401495" cy="2217130"/>
           </a:xfrm>
           <a:prstGeom prst="rect">
             <a:avLst/>
@@ -12290,22 +12404,19 @@
             <a:pPr lvl="1"/>
             <a:r>
               <a:rPr lang="en-US" dirty="0"/>
-              <a:t>Date</a:t>
-            </a:r>
+              <a:t>Date du </a:t>
+            </a:r>
+            <a:r>
+              <a:rPr lang="en-US" dirty="0" err="1"/>
+              <a:t>vol</a:t>
+            </a:r>
+            <a:endParaRPr lang="en-US" dirty="0"/>
           </a:p>
           <a:p>
             <a:pPr lvl="1"/>
             <a:r>
               <a:rPr lang="en-US" dirty="0" err="1"/>
               <a:t>Heure</a:t>
-            </a:r>
-            <a:r>
-              <a:rPr lang="en-US" dirty="0"/>
-              <a:t> de </a:t>
-            </a:r>
-            <a:r>
-              <a:rPr lang="en-US" dirty="0" err="1"/>
-              <a:t>départ</a:t>
             </a:r>
             <a:endParaRPr lang="en-US" dirty="0"/>
           </a:p>
